--- a/課程簡報/課程空白簡報.pptx
+++ b/課程簡報/課程空白簡報.pptx
@@ -4689,8 +4689,8 @@
         </p:nvSpPr>
         <p:spPr>
           <a:xfrm rot="16200000">
-            <a:off x="10577922" y="4969348"/>
-            <a:ext cx="1661993" cy="3057332"/>
+            <a:off x="10931216" y="4990780"/>
+            <a:ext cx="677108" cy="3057332"/>
           </a:xfrm>
           <a:prstGeom prst="rect">
             <a:avLst/>
@@ -4704,42 +4704,22 @@
           <a:lstStyle/>
           <a:p>
             <a:pPr algn="ctr"/>
-            <a:endParaRPr lang="en-US" altLang="zh-TW" sz="3200" dirty="0" smtClean="0">
-              <a:solidFill>
-                <a:schemeClr val="bg1"/>
-              </a:solidFill>
-              <a:latin typeface="微軟正黑體 Light" panose="020B0304030504040204" pitchFamily="34" charset="-120"/>
-              <a:ea typeface="微軟正黑體 Light" panose="020B0304030504040204" pitchFamily="34" charset="-120"/>
-            </a:endParaRPr>
-          </a:p>
-          <a:p>
-            <a:pPr algn="ctr"/>
             <a:r>
-              <a:rPr lang="zh-TW" altLang="en-US" sz="3200" dirty="0" smtClean="0">
+              <a:rPr lang="en-US" altLang="zh-TW" sz="3200" dirty="0" smtClean="0">
                 <a:solidFill>
                   <a:schemeClr val="bg1"/>
                 </a:solidFill>
-                <a:latin typeface="微軟正黑體 Light" panose="020B0304030504040204" pitchFamily="34" charset="-120"/>
-                <a:ea typeface="微軟正黑體 Light" panose="020B0304030504040204" pitchFamily="34" charset="-120"/>
+                <a:latin typeface="微軟正黑體" panose="020B0604030504040204" pitchFamily="34" charset="-120"/>
+                <a:ea typeface="微軟正黑體" panose="020B0604030504040204" pitchFamily="34" charset="-120"/>
               </a:rPr>
-              <a:t>陳彥銘</a:t>
+              <a:t>Peter</a:t>
             </a:r>
             <a:endParaRPr lang="en-US" altLang="zh-TW" sz="3200" dirty="0" smtClean="0">
               <a:solidFill>
                 <a:schemeClr val="bg1"/>
               </a:solidFill>
-              <a:latin typeface="微軟正黑體 Light" panose="020B0304030504040204" pitchFamily="34" charset="-120"/>
-              <a:ea typeface="微軟正黑體 Light" panose="020B0304030504040204" pitchFamily="34" charset="-120"/>
-            </a:endParaRPr>
-          </a:p>
-          <a:p>
-            <a:pPr algn="ctr"/>
-            <a:endParaRPr lang="en-US" altLang="zh-TW" sz="3200" dirty="0" smtClean="0">
-              <a:solidFill>
-                <a:schemeClr val="bg1"/>
-              </a:solidFill>
-              <a:latin typeface="微軟正黑體 Light" panose="020B0304030504040204" pitchFamily="34" charset="-120"/>
-              <a:ea typeface="微軟正黑體 Light" panose="020B0304030504040204" pitchFamily="34" charset="-120"/>
+              <a:latin typeface="微軟正黑體" panose="020B0604030504040204" pitchFamily="34" charset="-120"/>
+              <a:ea typeface="微軟正黑體" panose="020B0604030504040204" pitchFamily="34" charset="-120"/>
             </a:endParaRPr>
           </a:p>
         </p:txBody>

--- a/課程簡報/課程空白簡報.pptx
+++ b/課程簡報/課程空白簡報.pptx
@@ -214,7 +214,7 @@
           <a:p>
             <a:fld id="{66898407-7539-4C88-B591-2FC07A4ED2BC}" type="datetimeFigureOut">
               <a:rPr lang="zh-CN" altLang="en-US" smtClean="0"/>
-              <a:t>2020/5/28</a:t>
+              <a:t>2020/6/1</a:t>
             </a:fld>
             <a:endParaRPr lang="zh-CN" altLang="en-US"/>
           </a:p>
@@ -1870,7 +1870,7 @@
           <a:p>
             <a:fld id="{B58979D9-E8A7-4020-9F53-DCBB73454201}" type="datetimeFigureOut">
               <a:rPr lang="zh-CN" altLang="en-US" smtClean="0"/>
-              <a:t>2020/5/28</a:t>
+              <a:t>2020/6/1</a:t>
             </a:fld>
             <a:endParaRPr lang="zh-CN" altLang="en-US"/>
           </a:p>
@@ -2033,7 +2033,7 @@
           <a:p>
             <a:fld id="{B58979D9-E8A7-4020-9F53-DCBB73454201}" type="datetimeFigureOut">
               <a:rPr lang="zh-CN" altLang="en-US" smtClean="0"/>
-              <a:t>2020/5/28</a:t>
+              <a:t>2020/6/1</a:t>
             </a:fld>
             <a:endParaRPr lang="zh-CN" altLang="en-US"/>
           </a:p>
@@ -2206,7 +2206,7 @@
           <a:p>
             <a:fld id="{B58979D9-E8A7-4020-9F53-DCBB73454201}" type="datetimeFigureOut">
               <a:rPr lang="zh-CN" altLang="en-US" smtClean="0"/>
-              <a:t>2020/5/28</a:t>
+              <a:t>2020/6/1</a:t>
             </a:fld>
             <a:endParaRPr lang="zh-CN" altLang="en-US"/>
           </a:p>
@@ -2369,7 +2369,7 @@
           <a:p>
             <a:fld id="{B58979D9-E8A7-4020-9F53-DCBB73454201}" type="datetimeFigureOut">
               <a:rPr lang="zh-CN" altLang="en-US" smtClean="0"/>
-              <a:t>2020/5/28</a:t>
+              <a:t>2020/6/1</a:t>
             </a:fld>
             <a:endParaRPr lang="zh-CN" altLang="en-US"/>
           </a:p>
@@ -2609,7 +2609,7 @@
           <a:p>
             <a:fld id="{B58979D9-E8A7-4020-9F53-DCBB73454201}" type="datetimeFigureOut">
               <a:rPr lang="zh-CN" altLang="en-US" smtClean="0"/>
-              <a:t>2020/5/28</a:t>
+              <a:t>2020/6/1</a:t>
             </a:fld>
             <a:endParaRPr lang="zh-CN" altLang="en-US"/>
           </a:p>
@@ -2833,7 +2833,7 @@
           <a:p>
             <a:fld id="{B58979D9-E8A7-4020-9F53-DCBB73454201}" type="datetimeFigureOut">
               <a:rPr lang="zh-CN" altLang="en-US" smtClean="0"/>
-              <a:t>2020/5/28</a:t>
+              <a:t>2020/6/1</a:t>
             </a:fld>
             <a:endParaRPr lang="zh-CN" altLang="en-US"/>
           </a:p>
@@ -3192,7 +3192,7 @@
           <a:p>
             <a:fld id="{B58979D9-E8A7-4020-9F53-DCBB73454201}" type="datetimeFigureOut">
               <a:rPr lang="zh-CN" altLang="en-US" smtClean="0"/>
-              <a:t>2020/5/28</a:t>
+              <a:t>2020/6/1</a:t>
             </a:fld>
             <a:endParaRPr lang="zh-CN" altLang="en-US"/>
           </a:p>
@@ -3304,7 +3304,7 @@
           <a:p>
             <a:fld id="{B58979D9-E8A7-4020-9F53-DCBB73454201}" type="datetimeFigureOut">
               <a:rPr lang="zh-CN" altLang="en-US" smtClean="0"/>
-              <a:t>2020/5/28</a:t>
+              <a:t>2020/6/1</a:t>
             </a:fld>
             <a:endParaRPr lang="zh-CN" altLang="en-US"/>
           </a:p>
@@ -3394,7 +3394,7 @@
           <a:p>
             <a:fld id="{B58979D9-E8A7-4020-9F53-DCBB73454201}" type="datetimeFigureOut">
               <a:rPr lang="zh-CN" altLang="en-US" smtClean="0"/>
-              <a:t>2020/5/28</a:t>
+              <a:t>2020/6/1</a:t>
             </a:fld>
             <a:endParaRPr lang="zh-CN" altLang="en-US"/>
           </a:p>
@@ -3664,7 +3664,7 @@
           <a:p>
             <a:fld id="{B58979D9-E8A7-4020-9F53-DCBB73454201}" type="datetimeFigureOut">
               <a:rPr lang="zh-CN" altLang="en-US" smtClean="0"/>
-              <a:t>2020/5/28</a:t>
+              <a:t>2020/6/1</a:t>
             </a:fld>
             <a:endParaRPr lang="zh-CN" altLang="en-US"/>
           </a:p>
@@ -3911,7 +3911,7 @@
           <a:p>
             <a:fld id="{B58979D9-E8A7-4020-9F53-DCBB73454201}" type="datetimeFigureOut">
               <a:rPr lang="zh-CN" altLang="en-US" smtClean="0"/>
-              <a:t>2020/5/28</a:t>
+              <a:t>2020/6/1</a:t>
             </a:fld>
             <a:endParaRPr lang="zh-CN" altLang="en-US"/>
           </a:p>
@@ -4117,7 +4117,7 @@
           <a:p>
             <a:fld id="{B58979D9-E8A7-4020-9F53-DCBB73454201}" type="datetimeFigureOut">
               <a:rPr lang="zh-CN" altLang="en-US" smtClean="0"/>
-              <a:t>2020/5/28</a:t>
+              <a:t>2020/6/1</a:t>
             </a:fld>
             <a:endParaRPr lang="zh-CN" altLang="en-US"/>
           </a:p>
@@ -4646,7 +4646,7 @@
         </p:nvSpPr>
         <p:spPr>
           <a:xfrm>
-            <a:off x="3797376" y="403881"/>
+            <a:off x="3797376" y="658472"/>
             <a:ext cx="4597244" cy="1138773"/>
           </a:xfrm>
           <a:prstGeom prst="rect">
@@ -4662,14 +4662,14 @@
           <a:p>
             <a:pPr algn="dist"/>
             <a:r>
-              <a:rPr lang="en-US" altLang="zh-CN" sz="6800" dirty="0" smtClean="0">
+              <a:rPr lang="en-US" altLang="zh-CN" sz="6800" smtClean="0">
                 <a:solidFill>
                   <a:schemeClr val="bg1"/>
                 </a:solidFill>
                 <a:latin typeface="字魂27号-布丁体" panose="00000500000000000000" pitchFamily="2" charset="-122"/>
                 <a:ea typeface="字魂27号-布丁体" panose="00000500000000000000" pitchFamily="2" charset="-122"/>
               </a:rPr>
-              <a:t>xxx</a:t>
+              <a:t>XXX</a:t>
             </a:r>
             <a:endParaRPr lang="zh-CN" altLang="en-US" sz="6800" dirty="0">
               <a:solidFill>
@@ -4714,13 +4714,6 @@
               </a:rPr>
               <a:t>Peter</a:t>
             </a:r>
-            <a:endParaRPr lang="en-US" altLang="zh-TW" sz="3200" dirty="0" smtClean="0">
-              <a:solidFill>
-                <a:schemeClr val="bg1"/>
-              </a:solidFill>
-              <a:latin typeface="微軟正黑體" panose="020B0604030504040204" pitchFamily="34" charset="-120"/>
-              <a:ea typeface="微軟正黑體" panose="020B0604030504040204" pitchFamily="34" charset="-120"/>
-            </a:endParaRPr>
           </a:p>
         </p:txBody>
       </p:sp>
@@ -15362,7 +15355,7 @@
         </p:nvSpPr>
         <p:spPr>
           <a:xfrm>
-            <a:off x="3459707" y="2987444"/>
+            <a:off x="3464685" y="2695056"/>
             <a:ext cx="2229484" cy="584775"/>
           </a:xfrm>
           <a:prstGeom prst="rect">
@@ -15477,7 +15470,7 @@
         </p:nvSpPr>
         <p:spPr>
           <a:xfrm>
-            <a:off x="7972924" y="3005373"/>
+            <a:off x="7984515" y="2695056"/>
             <a:ext cx="2229484" cy="584775"/>
           </a:xfrm>
           <a:prstGeom prst="rect">
@@ -15492,14 +15485,14 @@
           <a:lstStyle/>
           <a:p>
             <a:r>
-              <a:rPr lang="en-US" altLang="zh-TW" sz="3200" dirty="0" smtClean="0">
+              <a:rPr lang="zh-TW" altLang="en-US" sz="3200" dirty="0" smtClean="0">
                 <a:solidFill>
                   <a:schemeClr val="bg1"/>
                 </a:solidFill>
                 <a:latin typeface="字魂27号-布丁体" panose="00000500000000000000" pitchFamily="2" charset="-122"/>
                 <a:ea typeface="字魂27号-布丁体" panose="00000500000000000000" pitchFamily="2" charset="-122"/>
               </a:rPr>
-              <a:t>xxx</a:t>
+              <a:t>畫面編排</a:t>
             </a:r>
             <a:endParaRPr lang="en-US" altLang="zh-CN" sz="3200" dirty="0">
               <a:solidFill>
@@ -15592,7 +15585,7 @@
         </p:nvSpPr>
         <p:spPr>
           <a:xfrm>
-            <a:off x="3473839" y="4702807"/>
+            <a:off x="3479635" y="4410419"/>
             <a:ext cx="2229484" cy="584775"/>
           </a:xfrm>
           <a:prstGeom prst="rect">
@@ -15607,14 +15600,14 @@
           <a:lstStyle/>
           <a:p>
             <a:r>
-              <a:rPr lang="en-US" altLang="zh-TW" sz="3200" dirty="0" smtClean="0">
+              <a:rPr lang="zh-TW" altLang="en-US" sz="3200" dirty="0" smtClean="0">
                 <a:solidFill>
                   <a:schemeClr val="bg1"/>
                 </a:solidFill>
                 <a:latin typeface="字魂27号-布丁体" panose="00000500000000000000" pitchFamily="2" charset="-122"/>
                 <a:ea typeface="字魂27号-布丁体" panose="00000500000000000000" pitchFamily="2" charset="-122"/>
               </a:rPr>
-              <a:t>xxx</a:t>
+              <a:t>程式設計</a:t>
             </a:r>
             <a:endParaRPr lang="en-US" altLang="zh-CN" sz="3200" dirty="0">
               <a:solidFill>
@@ -15707,7 +15700,7 @@
         </p:nvSpPr>
         <p:spPr>
           <a:xfrm>
-            <a:off x="7987056" y="4720736"/>
+            <a:off x="7984515" y="4410419"/>
             <a:ext cx="2229484" cy="584775"/>
           </a:xfrm>
           <a:prstGeom prst="rect">
@@ -15722,14 +15715,14 @@
           <a:lstStyle/>
           <a:p>
             <a:r>
-              <a:rPr lang="en-US" altLang="zh-TW" sz="3200" dirty="0" smtClean="0">
+              <a:rPr lang="zh-TW" altLang="en-US" sz="3200" dirty="0" smtClean="0">
                 <a:solidFill>
                   <a:schemeClr val="bg1"/>
                 </a:solidFill>
                 <a:latin typeface="字魂27号-布丁体" panose="00000500000000000000" pitchFamily="2" charset="-122"/>
                 <a:ea typeface="字魂27号-布丁体" panose="00000500000000000000" pitchFamily="2" charset="-122"/>
               </a:rPr>
-              <a:t>xxx</a:t>
+              <a:t>綜合活動</a:t>
             </a:r>
             <a:endParaRPr lang="en-US" altLang="zh-CN" sz="3200" dirty="0">
               <a:solidFill>
@@ -17202,7 +17195,7 @@
           <a:p>
             <a:pPr algn="ctr"/>
             <a:r>
-              <a:rPr lang="en-US" altLang="zh-TW" sz="5400" dirty="0" smtClean="0">
+              <a:rPr lang="zh-TW" altLang="en-US" sz="5400" dirty="0" smtClean="0">
                 <a:ln w="3175">
                   <a:solidFill>
                     <a:schemeClr val="bg1"/>
@@ -17218,7 +17211,7 @@
                 <a:ea typeface="字魂27号-布丁体" panose="00000500000000000000" pitchFamily="2" charset="-122"/>
                 <a:cs typeface="字魂59号-创粗黑" panose="00000500000000000000" charset="-122"/>
               </a:rPr>
-              <a:t>xxx</a:t>
+              <a:t>畫面編排</a:t>
             </a:r>
             <a:endParaRPr lang="zh-CN" altLang="en-US" sz="5400" dirty="0">
               <a:ln w="3175">
@@ -17770,7 +17763,7 @@
           <a:p>
             <a:pPr algn="ctr"/>
             <a:r>
-              <a:rPr lang="en-US" altLang="zh-CN" sz="5400" dirty="0" smtClean="0">
+              <a:rPr lang="zh-TW" altLang="en-US" sz="5400" dirty="0" smtClean="0">
                 <a:ln w="3175">
                   <a:solidFill>
                     <a:schemeClr val="bg1"/>
@@ -17786,7 +17779,7 @@
                 <a:ea typeface="字魂27号-布丁体" panose="00000500000000000000" pitchFamily="2" charset="-122"/>
                 <a:cs typeface="字魂59号-创粗黑" panose="00000500000000000000" charset="-122"/>
               </a:rPr>
-              <a:t>xxx</a:t>
+              <a:t>程式設計</a:t>
             </a:r>
             <a:endParaRPr lang="zh-CN" altLang="en-US" sz="5400" dirty="0">
               <a:ln w="3175">
@@ -18338,7 +18331,7 @@
           <a:p>
             <a:pPr algn="ctr"/>
             <a:r>
-              <a:rPr lang="en-US" altLang="zh-TW" sz="5400" dirty="0" smtClean="0">
+              <a:rPr lang="zh-TW" altLang="en-US" sz="5400" smtClean="0">
                 <a:ln w="3175">
                   <a:solidFill>
                     <a:schemeClr val="bg1"/>
@@ -18354,7 +18347,7 @@
                 <a:ea typeface="字魂27号-布丁体" panose="00000500000000000000" pitchFamily="2" charset="-122"/>
                 <a:cs typeface="字魂59号-创粗黑" panose="00000500000000000000" charset="-122"/>
               </a:rPr>
-              <a:t>xxx</a:t>
+              <a:t>綜合活動</a:t>
             </a:r>
             <a:endParaRPr lang="zh-CN" altLang="en-US" sz="5400" dirty="0">
               <a:ln w="3175">
